--- a/Documentation/pollen grains 1.pptx
+++ b/Documentation/pollen grains 1.pptx
@@ -114,6 +114,11 @@
       </a:defRPr>
     </a:lvl9pPr>
   </p:defaultTextStyle>
+  <p:extLst>
+    <p:ext uri="{EFAFB233-063F-42B5-8137-9DF3F51BA10A}">
+      <p15:sldGuideLst xmlns:p15="http://schemas.microsoft.com/office/powerpoint/2012/main"/>
+    </p:ext>
+  </p:extLst>
 </p:presentation>
 </file>
 
@@ -167,7 +172,7 @@
           <a:noFill/>
           <a:extLst>
             <a:ext uri="{909E8E84-426E-40dd-AFC4-6F175D3DCCD1}">
-              <a14:hiddenFill xmlns:a14="http://schemas.microsoft.com/office/drawing/2010/main" xmlns="">
+              <a14:hiddenFill xmlns="" xmlns:a14="http://schemas.microsoft.com/office/drawing/2010/main">
                 <a:solidFill>
                   <a:srgbClr val="FFFFFF"/>
                 </a:solidFill>
@@ -227,7 +232,7 @@
             </a:ln>
             <a:extLst>
               <a:ext uri="{91240B29-F687-4f45-9708-019B960494DF}">
-                <a14:hiddenLine xmlns:a14="http://schemas.microsoft.com/office/drawing/2010/main" xmlns="" w="9525">
+                <a14:hiddenLine xmlns="" xmlns:a14="http://schemas.microsoft.com/office/drawing/2010/main" w="9525">
                   <a:solidFill>
                     <a:srgbClr val="000000"/>
                   </a:solidFill>
@@ -317,7 +322,7 @@
             </a:ln>
             <a:extLst>
               <a:ext uri="{91240B29-F687-4f45-9708-019B960494DF}">
-                <a14:hiddenLine xmlns:a14="http://schemas.microsoft.com/office/drawing/2010/main" xmlns="" w="9525">
+                <a14:hiddenLine xmlns="" xmlns:a14="http://schemas.microsoft.com/office/drawing/2010/main" w="9525">
                   <a:solidFill>
                     <a:srgbClr val="000000"/>
                   </a:solidFill>
@@ -407,7 +412,7 @@
             </a:ln>
             <a:extLst>
               <a:ext uri="{91240B29-F687-4f45-9708-019B960494DF}">
-                <a14:hiddenLine xmlns:a14="http://schemas.microsoft.com/office/drawing/2010/main" xmlns="" w="9525">
+                <a14:hiddenLine xmlns="" xmlns:a14="http://schemas.microsoft.com/office/drawing/2010/main" w="9525">
                   <a:solidFill>
                     <a:srgbClr val="000000"/>
                   </a:solidFill>
@@ -441,7 +446,7 @@
             </a:ln>
             <a:extLst>
               <a:ext uri="{91240B29-F687-4f45-9708-019B960494DF}">
-                <a14:hiddenLine xmlns:a14="http://schemas.microsoft.com/office/drawing/2010/main" xmlns="" w="9525">
+                <a14:hiddenLine xmlns="" xmlns:a14="http://schemas.microsoft.com/office/drawing/2010/main" w="9525">
                   <a:solidFill>
                     <a:srgbClr val="000000"/>
                   </a:solidFill>
@@ -531,7 +536,7 @@
             </a:ln>
             <a:extLst>
               <a:ext uri="{91240B29-F687-4f45-9708-019B960494DF}">
-                <a14:hiddenLine xmlns:a14="http://schemas.microsoft.com/office/drawing/2010/main" xmlns="" w="9525">
+                <a14:hiddenLine xmlns="" xmlns:a14="http://schemas.microsoft.com/office/drawing/2010/main" w="9525">
                   <a:solidFill>
                     <a:srgbClr val="000000"/>
                   </a:solidFill>
@@ -593,7 +598,7 @@
             </a:ln>
             <a:extLst>
               <a:ext uri="{91240B29-F687-4f45-9708-019B960494DF}">
-                <a14:hiddenLine xmlns:a14="http://schemas.microsoft.com/office/drawing/2010/main" xmlns="" w="9525">
+                <a14:hiddenLine xmlns="" xmlns:a14="http://schemas.microsoft.com/office/drawing/2010/main" w="9525">
                   <a:solidFill>
                     <a:srgbClr val="000000"/>
                   </a:solidFill>
@@ -655,7 +660,7 @@
             </a:ln>
             <a:extLst>
               <a:ext uri="{91240B29-F687-4f45-9708-019B960494DF}">
-                <a14:hiddenLine xmlns:a14="http://schemas.microsoft.com/office/drawing/2010/main" xmlns="" w="9525">
+                <a14:hiddenLine xmlns="" xmlns:a14="http://schemas.microsoft.com/office/drawing/2010/main" w="9525">
                   <a:solidFill>
                     <a:srgbClr val="000000"/>
                   </a:solidFill>
@@ -745,7 +750,7 @@
             </a:ln>
             <a:extLst>
               <a:ext uri="{91240B29-F687-4f45-9708-019B960494DF}">
-                <a14:hiddenLine xmlns:a14="http://schemas.microsoft.com/office/drawing/2010/main" xmlns="" w="9525">
+                <a14:hiddenLine xmlns="" xmlns:a14="http://schemas.microsoft.com/office/drawing/2010/main" w="9525">
                   <a:solidFill>
                     <a:srgbClr val="000000"/>
                   </a:solidFill>
@@ -807,7 +812,7 @@
             </a:ln>
             <a:extLst>
               <a:ext uri="{91240B29-F687-4f45-9708-019B960494DF}">
-                <a14:hiddenLine xmlns:a14="http://schemas.microsoft.com/office/drawing/2010/main" xmlns="" w="9525">
+                <a14:hiddenLine xmlns="" xmlns:a14="http://schemas.microsoft.com/office/drawing/2010/main" w="9525">
                   <a:solidFill>
                     <a:srgbClr val="000000"/>
                   </a:solidFill>
@@ -869,7 +874,7 @@
             </a:ln>
             <a:extLst>
               <a:ext uri="{91240B29-F687-4f45-9708-019B960494DF}">
-                <a14:hiddenLine xmlns:a14="http://schemas.microsoft.com/office/drawing/2010/main" xmlns="" w="9525">
+                <a14:hiddenLine xmlns="" xmlns:a14="http://schemas.microsoft.com/office/drawing/2010/main" w="9525">
                   <a:solidFill>
                     <a:srgbClr val="000000"/>
                   </a:solidFill>
@@ -959,7 +964,7 @@
             </a:ln>
             <a:extLst>
               <a:ext uri="{91240B29-F687-4f45-9708-019B960494DF}">
-                <a14:hiddenLine xmlns:a14="http://schemas.microsoft.com/office/drawing/2010/main" xmlns="" w="9525">
+                <a14:hiddenLine xmlns="" xmlns:a14="http://schemas.microsoft.com/office/drawing/2010/main" w="9525">
                   <a:solidFill>
                     <a:srgbClr val="000000"/>
                   </a:solidFill>
@@ -1049,7 +1054,7 @@
             </a:ln>
             <a:extLst>
               <a:ext uri="{91240B29-F687-4f45-9708-019B960494DF}">
-                <a14:hiddenLine xmlns:a14="http://schemas.microsoft.com/office/drawing/2010/main" xmlns="" w="9525">
+                <a14:hiddenLine xmlns="" xmlns:a14="http://schemas.microsoft.com/office/drawing/2010/main" w="9525">
                   <a:solidFill>
                     <a:srgbClr val="000000"/>
                   </a:solidFill>
@@ -1111,7 +1116,7 @@
             </a:ln>
             <a:extLst>
               <a:ext uri="{91240B29-F687-4f45-9708-019B960494DF}">
-                <a14:hiddenLine xmlns:a14="http://schemas.microsoft.com/office/drawing/2010/main" xmlns="" w="9525">
+                <a14:hiddenLine xmlns="" xmlns:a14="http://schemas.microsoft.com/office/drawing/2010/main" w="9525">
                   <a:solidFill>
                     <a:srgbClr val="000000"/>
                   </a:solidFill>
@@ -1221,7 +1226,7 @@
             </a:ln>
             <a:extLst>
               <a:ext uri="{91240B29-F687-4f45-9708-019B960494DF}">
-                <a14:hiddenLine xmlns:a14="http://schemas.microsoft.com/office/drawing/2010/main" xmlns="" w="9525">
+                <a14:hiddenLine xmlns="" xmlns:a14="http://schemas.microsoft.com/office/drawing/2010/main" w="9525">
                   <a:solidFill>
                     <a:srgbClr val="000000"/>
                   </a:solidFill>
@@ -1283,7 +1288,7 @@
             </a:ln>
             <a:extLst>
               <a:ext uri="{91240B29-F687-4f45-9708-019B960494DF}">
-                <a14:hiddenLine xmlns:a14="http://schemas.microsoft.com/office/drawing/2010/main" xmlns="" w="9525">
+                <a14:hiddenLine xmlns="" xmlns:a14="http://schemas.microsoft.com/office/drawing/2010/main" w="9525">
                   <a:solidFill>
                     <a:srgbClr val="000000"/>
                   </a:solidFill>
@@ -1373,7 +1378,7 @@
             </a:ln>
             <a:extLst>
               <a:ext uri="{91240B29-F687-4f45-9708-019B960494DF}">
-                <a14:hiddenLine xmlns:a14="http://schemas.microsoft.com/office/drawing/2010/main" xmlns="" w="9525">
+                <a14:hiddenLine xmlns="" xmlns:a14="http://schemas.microsoft.com/office/drawing/2010/main" w="9525">
                   <a:solidFill>
                     <a:srgbClr val="000000"/>
                   </a:solidFill>
@@ -1463,7 +1468,7 @@
             </a:ln>
             <a:extLst>
               <a:ext uri="{91240B29-F687-4f45-9708-019B960494DF}">
-                <a14:hiddenLine xmlns:a14="http://schemas.microsoft.com/office/drawing/2010/main" xmlns="" w="9525">
+                <a14:hiddenLine xmlns="" xmlns:a14="http://schemas.microsoft.com/office/drawing/2010/main" w="9525">
                   <a:solidFill>
                     <a:srgbClr val="000000"/>
                   </a:solidFill>
@@ -1525,7 +1530,7 @@
             </a:ln>
             <a:extLst>
               <a:ext uri="{91240B29-F687-4f45-9708-019B960494DF}">
-                <a14:hiddenLine xmlns:a14="http://schemas.microsoft.com/office/drawing/2010/main" xmlns="" w="9525">
+                <a14:hiddenLine xmlns="" xmlns:a14="http://schemas.microsoft.com/office/drawing/2010/main" w="9525">
                   <a:solidFill>
                     <a:srgbClr val="000000"/>
                   </a:solidFill>
@@ -1615,7 +1620,7 @@
             </a:ln>
             <a:extLst>
               <a:ext uri="{91240B29-F687-4f45-9708-019B960494DF}">
-                <a14:hiddenLine xmlns:a14="http://schemas.microsoft.com/office/drawing/2010/main" xmlns="" w="9525">
+                <a14:hiddenLine xmlns="" xmlns:a14="http://schemas.microsoft.com/office/drawing/2010/main" w="9525">
                   <a:solidFill>
                     <a:srgbClr val="000000"/>
                   </a:solidFill>
@@ -1705,7 +1710,7 @@
             </a:ln>
             <a:extLst>
               <a:ext uri="{91240B29-F687-4f45-9708-019B960494DF}">
-                <a14:hiddenLine xmlns:a14="http://schemas.microsoft.com/office/drawing/2010/main" xmlns="" w="9525">
+                <a14:hiddenLine xmlns="" xmlns:a14="http://schemas.microsoft.com/office/drawing/2010/main" w="9525">
                   <a:solidFill>
                     <a:srgbClr val="000000"/>
                   </a:solidFill>
@@ -1761,7 +1766,7 @@
             </a:ln>
             <a:extLst>
               <a:ext uri="{91240B29-F687-4f45-9708-019B960494DF}">
-                <a14:hiddenLine xmlns:a14="http://schemas.microsoft.com/office/drawing/2010/main" xmlns="" w="9525">
+                <a14:hiddenLine xmlns="" xmlns:a14="http://schemas.microsoft.com/office/drawing/2010/main" w="9525">
                   <a:solidFill>
                     <a:srgbClr val="000000"/>
                   </a:solidFill>
@@ -1851,7 +1856,7 @@
             </a:ln>
             <a:extLst>
               <a:ext uri="{91240B29-F687-4f45-9708-019B960494DF}">
-                <a14:hiddenLine xmlns:a14="http://schemas.microsoft.com/office/drawing/2010/main" xmlns="" w="9525">
+                <a14:hiddenLine xmlns="" xmlns:a14="http://schemas.microsoft.com/office/drawing/2010/main" w="9525">
                   <a:solidFill>
                     <a:srgbClr val="000000"/>
                   </a:solidFill>
@@ -1907,7 +1912,7 @@
             </a:ln>
             <a:extLst>
               <a:ext uri="{91240B29-F687-4f45-9708-019B960494DF}">
-                <a14:hiddenLine xmlns:a14="http://schemas.microsoft.com/office/drawing/2010/main" xmlns="" w="9525">
+                <a14:hiddenLine xmlns="" xmlns:a14="http://schemas.microsoft.com/office/drawing/2010/main" w="9525">
                   <a:solidFill>
                     <a:srgbClr val="000000"/>
                   </a:solidFill>
@@ -1997,7 +2002,7 @@
             </a:ln>
             <a:extLst>
               <a:ext uri="{91240B29-F687-4f45-9708-019B960494DF}">
-                <a14:hiddenLine xmlns:a14="http://schemas.microsoft.com/office/drawing/2010/main" xmlns="" w="9525">
+                <a14:hiddenLine xmlns="" xmlns:a14="http://schemas.microsoft.com/office/drawing/2010/main" w="9525">
                   <a:solidFill>
                     <a:srgbClr val="000000"/>
                   </a:solidFill>
@@ -2065,7 +2070,7 @@
             </a:ln>
             <a:extLst>
               <a:ext uri="{91240B29-F687-4f45-9708-019B960494DF}">
-                <a14:hiddenLine xmlns:a14="http://schemas.microsoft.com/office/drawing/2010/main" xmlns="" w="9525">
+                <a14:hiddenLine xmlns="" xmlns:a14="http://schemas.microsoft.com/office/drawing/2010/main" w="9525">
                   <a:solidFill>
                     <a:srgbClr val="000000"/>
                   </a:solidFill>
@@ -2155,7 +2160,7 @@
             </a:ln>
             <a:extLst>
               <a:ext uri="{91240B29-F687-4f45-9708-019B960494DF}">
-                <a14:hiddenLine xmlns:a14="http://schemas.microsoft.com/office/drawing/2010/main" xmlns="" w="9525">
+                <a14:hiddenLine xmlns="" xmlns:a14="http://schemas.microsoft.com/office/drawing/2010/main" w="9525">
                   <a:solidFill>
                     <a:srgbClr val="000000"/>
                   </a:solidFill>
@@ -2223,7 +2228,7 @@
             </a:ln>
             <a:extLst>
               <a:ext uri="{91240B29-F687-4f45-9708-019B960494DF}">
-                <a14:hiddenLine xmlns:a14="http://schemas.microsoft.com/office/drawing/2010/main" xmlns="" w="9525">
+                <a14:hiddenLine xmlns="" xmlns:a14="http://schemas.microsoft.com/office/drawing/2010/main" w="9525">
                   <a:solidFill>
                     <a:srgbClr val="000000"/>
                   </a:solidFill>
@@ -2313,7 +2318,7 @@
             </a:ln>
             <a:extLst>
               <a:ext uri="{91240B29-F687-4f45-9708-019B960494DF}">
-                <a14:hiddenLine xmlns:a14="http://schemas.microsoft.com/office/drawing/2010/main" xmlns="" w="9525">
+                <a14:hiddenLine xmlns="" xmlns:a14="http://schemas.microsoft.com/office/drawing/2010/main" w="9525">
                   <a:solidFill>
                     <a:srgbClr val="000000"/>
                   </a:solidFill>
@@ -2347,7 +2352,7 @@
             </a:ln>
             <a:extLst>
               <a:ext uri="{91240B29-F687-4f45-9708-019B960494DF}">
-                <a14:hiddenLine xmlns:a14="http://schemas.microsoft.com/office/drawing/2010/main" xmlns="" w="9525">
+                <a14:hiddenLine xmlns="" xmlns:a14="http://schemas.microsoft.com/office/drawing/2010/main" w="9525">
                   <a:solidFill>
                     <a:srgbClr val="000000"/>
                   </a:solidFill>
@@ -2437,7 +2442,7 @@
             </a:ln>
             <a:extLst>
               <a:ext uri="{91240B29-F687-4f45-9708-019B960494DF}">
-                <a14:hiddenLine xmlns:a14="http://schemas.microsoft.com/office/drawing/2010/main" xmlns="" w="9525">
+                <a14:hiddenLine xmlns="" xmlns:a14="http://schemas.microsoft.com/office/drawing/2010/main" w="9525">
                   <a:solidFill>
                     <a:srgbClr val="000000"/>
                   </a:solidFill>
@@ -2499,7 +2504,7 @@
             </a:ln>
             <a:extLst>
               <a:ext uri="{91240B29-F687-4f45-9708-019B960494DF}">
-                <a14:hiddenLine xmlns:a14="http://schemas.microsoft.com/office/drawing/2010/main" xmlns="" w="9525">
+                <a14:hiddenLine xmlns="" xmlns:a14="http://schemas.microsoft.com/office/drawing/2010/main" w="9525">
                   <a:solidFill>
                     <a:srgbClr val="000000"/>
                   </a:solidFill>
@@ -2561,7 +2566,7 @@
             </a:ln>
             <a:extLst>
               <a:ext uri="{91240B29-F687-4f45-9708-019B960494DF}">
-                <a14:hiddenLine xmlns:a14="http://schemas.microsoft.com/office/drawing/2010/main" xmlns="" w="9525">
+                <a14:hiddenLine xmlns="" xmlns:a14="http://schemas.microsoft.com/office/drawing/2010/main" w="9525">
                   <a:solidFill>
                     <a:srgbClr val="000000"/>
                   </a:solidFill>
@@ -2651,7 +2656,7 @@
             </a:ln>
             <a:extLst>
               <a:ext uri="{91240B29-F687-4f45-9708-019B960494DF}">
-                <a14:hiddenLine xmlns:a14="http://schemas.microsoft.com/office/drawing/2010/main" xmlns="" w="9525">
+                <a14:hiddenLine xmlns="" xmlns:a14="http://schemas.microsoft.com/office/drawing/2010/main" w="9525">
                   <a:solidFill>
                     <a:srgbClr val="000000"/>
                   </a:solidFill>
@@ -2719,7 +2724,7 @@
             </a:ln>
             <a:extLst>
               <a:ext uri="{91240B29-F687-4f45-9708-019B960494DF}">
-                <a14:hiddenLine xmlns:a14="http://schemas.microsoft.com/office/drawing/2010/main" xmlns="" w="9525">
+                <a14:hiddenLine xmlns="" xmlns:a14="http://schemas.microsoft.com/office/drawing/2010/main" w="9525">
                   <a:solidFill>
                     <a:srgbClr val="000000"/>
                   </a:solidFill>
@@ -2781,7 +2786,7 @@
             </a:ln>
             <a:extLst>
               <a:ext uri="{91240B29-F687-4f45-9708-019B960494DF}">
-                <a14:hiddenLine xmlns:a14="http://schemas.microsoft.com/office/drawing/2010/main" xmlns="" w="9525">
+                <a14:hiddenLine xmlns="" xmlns:a14="http://schemas.microsoft.com/office/drawing/2010/main" w="9525">
                   <a:solidFill>
                     <a:srgbClr val="000000"/>
                   </a:solidFill>
@@ -2871,7 +2876,7 @@
             </a:ln>
             <a:extLst>
               <a:ext uri="{91240B29-F687-4f45-9708-019B960494DF}">
-                <a14:hiddenLine xmlns:a14="http://schemas.microsoft.com/office/drawing/2010/main" xmlns="" w="9525">
+                <a14:hiddenLine xmlns="" xmlns:a14="http://schemas.microsoft.com/office/drawing/2010/main" w="9525">
                   <a:solidFill>
                     <a:srgbClr val="000000"/>
                   </a:solidFill>
@@ -2933,7 +2938,7 @@
             </a:ln>
             <a:extLst>
               <a:ext uri="{91240B29-F687-4f45-9708-019B960494DF}">
-                <a14:hiddenLine xmlns:a14="http://schemas.microsoft.com/office/drawing/2010/main" xmlns="" w="9525">
+                <a14:hiddenLine xmlns="" xmlns:a14="http://schemas.microsoft.com/office/drawing/2010/main" w="9525">
                   <a:solidFill>
                     <a:srgbClr val="000000"/>
                   </a:solidFill>
@@ -3023,7 +3028,7 @@
             </a:ln>
             <a:extLst>
               <a:ext uri="{91240B29-F687-4f45-9708-019B960494DF}">
-                <a14:hiddenLine xmlns:a14="http://schemas.microsoft.com/office/drawing/2010/main" xmlns="" w="9525">
+                <a14:hiddenLine xmlns="" xmlns:a14="http://schemas.microsoft.com/office/drawing/2010/main" w="9525">
                   <a:solidFill>
                     <a:srgbClr val="000000"/>
                   </a:solidFill>
@@ -3085,7 +3090,7 @@
             </a:ln>
             <a:extLst>
               <a:ext uri="{91240B29-F687-4f45-9708-019B960494DF}">
-                <a14:hiddenLine xmlns:a14="http://schemas.microsoft.com/office/drawing/2010/main" xmlns="" w="9525">
+                <a14:hiddenLine xmlns="" xmlns:a14="http://schemas.microsoft.com/office/drawing/2010/main" w="9525">
                   <a:solidFill>
                     <a:srgbClr val="000000"/>
                   </a:solidFill>
@@ -3175,7 +3180,7 @@
             </a:ln>
             <a:extLst>
               <a:ext uri="{91240B29-F687-4f45-9708-019B960494DF}">
-                <a14:hiddenLine xmlns:a14="http://schemas.microsoft.com/office/drawing/2010/main" xmlns="" w="9525">
+                <a14:hiddenLine xmlns="" xmlns:a14="http://schemas.microsoft.com/office/drawing/2010/main" w="9525">
                   <a:solidFill>
                     <a:srgbClr val="000000"/>
                   </a:solidFill>
@@ -3209,7 +3214,7 @@
             </a:ln>
             <a:extLst>
               <a:ext uri="{91240B29-F687-4f45-9708-019B960494DF}">
-                <a14:hiddenLine xmlns:a14="http://schemas.microsoft.com/office/drawing/2010/main" xmlns="" w="9525">
+                <a14:hiddenLine xmlns="" xmlns:a14="http://schemas.microsoft.com/office/drawing/2010/main" w="9525">
                   <a:solidFill>
                     <a:srgbClr val="000000"/>
                   </a:solidFill>
@@ -3274,7 +3279,7 @@
             </a:ln>
             <a:extLst>
               <a:ext uri="{91240B29-F687-4f45-9708-019B960494DF}">
-                <a14:hiddenLine xmlns:a14="http://schemas.microsoft.com/office/drawing/2010/main" xmlns="" w="9525">
+                <a14:hiddenLine xmlns="" xmlns:a14="http://schemas.microsoft.com/office/drawing/2010/main" w="9525">
                   <a:solidFill>
                     <a:srgbClr val="000000"/>
                   </a:solidFill>
@@ -3364,7 +3369,7 @@
             </a:ln>
             <a:extLst>
               <a:ext uri="{91240B29-F687-4f45-9708-019B960494DF}">
-                <a14:hiddenLine xmlns:a14="http://schemas.microsoft.com/office/drawing/2010/main" xmlns="" w="9525">
+                <a14:hiddenLine xmlns="" xmlns:a14="http://schemas.microsoft.com/office/drawing/2010/main" w="9525">
                   <a:solidFill>
                     <a:srgbClr val="000000"/>
                   </a:solidFill>
@@ -3426,7 +3431,7 @@
             </a:ln>
             <a:extLst>
               <a:ext uri="{91240B29-F687-4f45-9708-019B960494DF}">
-                <a14:hiddenLine xmlns:a14="http://schemas.microsoft.com/office/drawing/2010/main" xmlns="" w="9525">
+                <a14:hiddenLine xmlns="" xmlns:a14="http://schemas.microsoft.com/office/drawing/2010/main" w="9525">
                   <a:solidFill>
                     <a:srgbClr val="000000"/>
                   </a:solidFill>
@@ -3516,7 +3521,7 @@
             </a:ln>
             <a:extLst>
               <a:ext uri="{91240B29-F687-4f45-9708-019B960494DF}">
-                <a14:hiddenLine xmlns:a14="http://schemas.microsoft.com/office/drawing/2010/main" xmlns="" w="9525">
+                <a14:hiddenLine xmlns="" xmlns:a14="http://schemas.microsoft.com/office/drawing/2010/main" w="9525">
                   <a:solidFill>
                     <a:srgbClr val="000000"/>
                   </a:solidFill>
@@ -3606,7 +3611,7 @@
             </a:ln>
             <a:extLst>
               <a:ext uri="{91240B29-F687-4f45-9708-019B960494DF}">
-                <a14:hiddenLine xmlns:a14="http://schemas.microsoft.com/office/drawing/2010/main" xmlns="" w="9525">
+                <a14:hiddenLine xmlns="" xmlns:a14="http://schemas.microsoft.com/office/drawing/2010/main" w="9525">
                   <a:solidFill>
                     <a:srgbClr val="000000"/>
                   </a:solidFill>
@@ -3671,7 +3676,7 @@
             </a:ln>
             <a:extLst>
               <a:ext uri="{91240B29-F687-4f45-9708-019B960494DF}">
-                <a14:hiddenLine xmlns:a14="http://schemas.microsoft.com/office/drawing/2010/main" xmlns="" w="9525">
+                <a14:hiddenLine xmlns="" xmlns:a14="http://schemas.microsoft.com/office/drawing/2010/main" w="9525">
                   <a:solidFill>
                     <a:srgbClr val="000000"/>
                   </a:solidFill>
@@ -3733,7 +3738,7 @@
             </a:ln>
             <a:extLst>
               <a:ext uri="{91240B29-F687-4f45-9708-019B960494DF}">
-                <a14:hiddenLine xmlns:a14="http://schemas.microsoft.com/office/drawing/2010/main" xmlns="" w="9525">
+                <a14:hiddenLine xmlns="" xmlns:a14="http://schemas.microsoft.com/office/drawing/2010/main" w="9525">
                   <a:solidFill>
                     <a:srgbClr val="000000"/>
                   </a:solidFill>
@@ -3823,7 +3828,7 @@
             </a:ln>
             <a:extLst>
               <a:ext uri="{91240B29-F687-4f45-9708-019B960494DF}">
-                <a14:hiddenLine xmlns:a14="http://schemas.microsoft.com/office/drawing/2010/main" xmlns="" w="9525">
+                <a14:hiddenLine xmlns="" xmlns:a14="http://schemas.microsoft.com/office/drawing/2010/main" w="9525">
                   <a:solidFill>
                     <a:srgbClr val="000000"/>
                   </a:solidFill>
@@ -3913,7 +3918,7 @@
             </a:ln>
             <a:extLst>
               <a:ext uri="{91240B29-F687-4f45-9708-019B960494DF}">
-                <a14:hiddenLine xmlns:a14="http://schemas.microsoft.com/office/drawing/2010/main" xmlns="" w="9525">
+                <a14:hiddenLine xmlns="" xmlns:a14="http://schemas.microsoft.com/office/drawing/2010/main" w="9525">
                   <a:solidFill>
                     <a:srgbClr val="000000"/>
                   </a:solidFill>
@@ -3975,7 +3980,7 @@
             </a:ln>
             <a:extLst>
               <a:ext uri="{91240B29-F687-4f45-9708-019B960494DF}">
-                <a14:hiddenLine xmlns:a14="http://schemas.microsoft.com/office/drawing/2010/main" xmlns="" w="9525">
+                <a14:hiddenLine xmlns="" xmlns:a14="http://schemas.microsoft.com/office/drawing/2010/main" w="9525">
                   <a:solidFill>
                     <a:srgbClr val="000000"/>
                   </a:solidFill>
@@ -4095,7 +4100,7 @@
             </a:ln>
             <a:extLst>
               <a:ext uri="{91240B29-F687-4f45-9708-019B960494DF}">
-                <a14:hiddenLine xmlns:a14="http://schemas.microsoft.com/office/drawing/2010/main" xmlns="" w="9525">
+                <a14:hiddenLine xmlns="" xmlns:a14="http://schemas.microsoft.com/office/drawing/2010/main" w="9525">
                   <a:solidFill>
                     <a:srgbClr val="000000"/>
                   </a:solidFill>
@@ -4163,7 +4168,7 @@
             </a:ln>
             <a:extLst>
               <a:ext uri="{91240B29-F687-4f45-9708-019B960494DF}">
-                <a14:hiddenLine xmlns:a14="http://schemas.microsoft.com/office/drawing/2010/main" xmlns="" w="9525">
+                <a14:hiddenLine xmlns="" xmlns:a14="http://schemas.microsoft.com/office/drawing/2010/main" w="9525">
                   <a:solidFill>
                     <a:srgbClr val="000000"/>
                   </a:solidFill>
@@ -4253,7 +4258,7 @@
             </a:ln>
             <a:extLst>
               <a:ext uri="{91240B29-F687-4f45-9708-019B960494DF}">
-                <a14:hiddenLine xmlns:a14="http://schemas.microsoft.com/office/drawing/2010/main" xmlns="" w="9525">
+                <a14:hiddenLine xmlns="" xmlns:a14="http://schemas.microsoft.com/office/drawing/2010/main" w="9525">
                   <a:solidFill>
                     <a:srgbClr val="000000"/>
                   </a:solidFill>
@@ -4393,7 +4398,7 @@
           <a:p>
             <a:fld id="{48A87A34-81AB-432B-8DAE-1953F412C126}" type="datetimeFigureOut">
               <a:rPr lang="en-US" dirty="0"/>
-              <a:t>6/27/2025</a:t>
+              <a:t>6/28/2025</a:t>
             </a:fld>
             <a:endParaRPr lang="en-US" dirty="0"/>
           </a:p>
@@ -4655,7 +4660,7 @@
           <a:p>
             <a:fld id="{48A87A34-81AB-432B-8DAE-1953F412C126}" type="datetimeFigureOut">
               <a:rPr lang="en-US" dirty="0"/>
-              <a:t>6/27/2025</a:t>
+              <a:t>6/28/2025</a:t>
             </a:fld>
             <a:endParaRPr lang="en-US" dirty="0"/>
           </a:p>
@@ -4846,7 +4851,7 @@
           <a:p>
             <a:fld id="{48A87A34-81AB-432B-8DAE-1953F412C126}" type="datetimeFigureOut">
               <a:rPr lang="en-US" dirty="0"/>
-              <a:t>6/27/2025</a:t>
+              <a:t>6/28/2025</a:t>
             </a:fld>
             <a:endParaRPr lang="en-US" dirty="0"/>
           </a:p>
@@ -5104,7 +5109,7 @@
           <a:p>
             <a:fld id="{48A87A34-81AB-432B-8DAE-1953F412C126}" type="datetimeFigureOut">
               <a:rPr lang="en-US" dirty="0"/>
-              <a:t>6/27/2025</a:t>
+              <a:t>6/28/2025</a:t>
             </a:fld>
             <a:endParaRPr lang="en-US" dirty="0"/>
           </a:p>
@@ -5533,7 +5538,7 @@
           <a:p>
             <a:fld id="{48A87A34-81AB-432B-8DAE-1953F412C126}" type="datetimeFigureOut">
               <a:rPr lang="en-US" dirty="0"/>
-              <a:t>6/27/2025</a:t>
+              <a:t>6/28/2025</a:t>
             </a:fld>
             <a:endParaRPr lang="en-US" dirty="0"/>
           </a:p>
@@ -6074,7 +6079,7 @@
           <a:p>
             <a:fld id="{48A87A34-81AB-432B-8DAE-1953F412C126}" type="datetimeFigureOut">
               <a:rPr lang="en-US" dirty="0"/>
-              <a:t>6/27/2025</a:t>
+              <a:t>6/28/2025</a:t>
             </a:fld>
             <a:endParaRPr lang="en-US" dirty="0"/>
           </a:p>
@@ -6789,7 +6794,7 @@
           <a:p>
             <a:fld id="{48A87A34-81AB-432B-8DAE-1953F412C126}" type="datetimeFigureOut">
               <a:rPr lang="en-US" dirty="0"/>
-              <a:t>6/27/2025</a:t>
+              <a:t>6/28/2025</a:t>
             </a:fld>
             <a:endParaRPr lang="en-US" dirty="0"/>
           </a:p>
@@ -6954,7 +6959,7 @@
           <a:p>
             <a:fld id="{48A87A34-81AB-432B-8DAE-1953F412C126}" type="datetimeFigureOut">
               <a:rPr lang="en-US" dirty="0"/>
-              <a:t>6/27/2025</a:t>
+              <a:t>6/28/2025</a:t>
             </a:fld>
             <a:endParaRPr lang="en-US" dirty="0"/>
           </a:p>
@@ -7129,7 +7134,7 @@
           <a:p>
             <a:fld id="{48A87A34-81AB-432B-8DAE-1953F412C126}" type="datetimeFigureOut">
               <a:rPr lang="en-US" dirty="0"/>
-              <a:t>6/27/2025</a:t>
+              <a:t>6/28/2025</a:t>
             </a:fld>
             <a:endParaRPr lang="en-US" dirty="0"/>
           </a:p>
@@ -7294,7 +7299,7 @@
           <a:p>
             <a:fld id="{48A87A34-81AB-432B-8DAE-1953F412C126}" type="datetimeFigureOut">
               <a:rPr lang="en-US" dirty="0"/>
-              <a:t>6/27/2025</a:t>
+              <a:t>6/28/2025</a:t>
             </a:fld>
             <a:endParaRPr lang="en-US" dirty="0"/>
           </a:p>
@@ -7539,7 +7544,7 @@
           <a:p>
             <a:fld id="{48A87A34-81AB-432B-8DAE-1953F412C126}" type="datetimeFigureOut">
               <a:rPr lang="en-US" dirty="0"/>
-              <a:t>6/27/2025</a:t>
+              <a:t>6/28/2025</a:t>
             </a:fld>
             <a:endParaRPr lang="en-US" dirty="0"/>
           </a:p>
@@ -7766,7 +7771,7 @@
           <a:p>
             <a:fld id="{48A87A34-81AB-432B-8DAE-1953F412C126}" type="datetimeFigureOut">
               <a:rPr lang="en-US" dirty="0"/>
-              <a:t>6/27/2025</a:t>
+              <a:t>6/28/2025</a:t>
             </a:fld>
             <a:endParaRPr lang="en-US" dirty="0"/>
           </a:p>
@@ -8142,7 +8147,7 @@
           <a:p>
             <a:fld id="{48A87A34-81AB-432B-8DAE-1953F412C126}" type="datetimeFigureOut">
               <a:rPr lang="en-US" dirty="0"/>
-              <a:t>6/27/2025</a:t>
+              <a:t>6/28/2025</a:t>
             </a:fld>
             <a:endParaRPr lang="en-US" dirty="0"/>
           </a:p>
@@ -8255,7 +8260,7 @@
           <a:p>
             <a:fld id="{48A87A34-81AB-432B-8DAE-1953F412C126}" type="datetimeFigureOut">
               <a:rPr lang="en-US" dirty="0"/>
-              <a:t>6/27/2025</a:t>
+              <a:t>6/28/2025</a:t>
             </a:fld>
             <a:endParaRPr lang="en-US" dirty="0"/>
           </a:p>
@@ -8345,7 +8350,7 @@
           <a:p>
             <a:fld id="{48A87A34-81AB-432B-8DAE-1953F412C126}" type="datetimeFigureOut">
               <a:rPr lang="en-US" dirty="0"/>
-              <a:t>6/27/2025</a:t>
+              <a:t>6/28/2025</a:t>
             </a:fld>
             <a:endParaRPr lang="en-US" dirty="0"/>
           </a:p>
@@ -8589,7 +8594,7 @@
           <a:p>
             <a:fld id="{48A87A34-81AB-432B-8DAE-1953F412C126}" type="datetimeFigureOut">
               <a:rPr lang="en-US" dirty="0"/>
-              <a:t>6/27/2025</a:t>
+              <a:t>6/28/2025</a:t>
             </a:fld>
             <a:endParaRPr lang="en-US" dirty="0"/>
           </a:p>
@@ -8864,7 +8869,7 @@
           <a:p>
             <a:fld id="{48A87A34-81AB-432B-8DAE-1953F412C126}" type="datetimeFigureOut">
               <a:rPr lang="en-US" dirty="0"/>
-              <a:t>6/27/2025</a:t>
+              <a:t>6/28/2025</a:t>
             </a:fld>
             <a:endParaRPr lang="en-US" dirty="0"/>
           </a:p>
@@ -8975,7 +8980,7 @@
           <a:noFill/>
           <a:extLst>
             <a:ext uri="{909E8E84-426E-40dd-AFC4-6F175D3DCCD1}">
-              <a14:hiddenFill xmlns:a14="http://schemas.microsoft.com/office/drawing/2010/main" xmlns="">
+              <a14:hiddenFill xmlns="" xmlns:a14="http://schemas.microsoft.com/office/drawing/2010/main">
                 <a:solidFill>
                   <a:srgbClr val="FFFFFF"/>
                 </a:solidFill>
@@ -9049,7 +9054,7 @@
               </a:ln>
               <a:extLst>
                 <a:ext uri="{91240B29-F687-4f45-9708-019B960494DF}">
-                  <a14:hiddenLine xmlns:a14="http://schemas.microsoft.com/office/drawing/2010/main" xmlns="" w="9525">
+                  <a14:hiddenLine xmlns="" xmlns:a14="http://schemas.microsoft.com/office/drawing/2010/main" w="9525">
                     <a:solidFill>
                       <a:srgbClr val="000000"/>
                     </a:solidFill>
@@ -9139,7 +9144,7 @@
               </a:ln>
               <a:extLst>
                 <a:ext uri="{91240B29-F687-4f45-9708-019B960494DF}">
-                  <a14:hiddenLine xmlns:a14="http://schemas.microsoft.com/office/drawing/2010/main" xmlns="" w="9525">
+                  <a14:hiddenLine xmlns="" xmlns:a14="http://schemas.microsoft.com/office/drawing/2010/main" w="9525">
                     <a:solidFill>
                       <a:srgbClr val="000000"/>
                     </a:solidFill>
@@ -9229,7 +9234,7 @@
               </a:ln>
               <a:extLst>
                 <a:ext uri="{91240B29-F687-4f45-9708-019B960494DF}">
-                  <a14:hiddenLine xmlns:a14="http://schemas.microsoft.com/office/drawing/2010/main" xmlns="" w="9525">
+                  <a14:hiddenLine xmlns="" xmlns:a14="http://schemas.microsoft.com/office/drawing/2010/main" w="9525">
                     <a:solidFill>
                       <a:srgbClr val="000000"/>
                     </a:solidFill>
@@ -9291,7 +9296,7 @@
               </a:ln>
               <a:extLst>
                 <a:ext uri="{91240B29-F687-4f45-9708-019B960494DF}">
-                  <a14:hiddenLine xmlns:a14="http://schemas.microsoft.com/office/drawing/2010/main" xmlns="" w="9525">
+                  <a14:hiddenLine xmlns="" xmlns:a14="http://schemas.microsoft.com/office/drawing/2010/main" w="9525">
                     <a:solidFill>
                       <a:srgbClr val="000000"/>
                     </a:solidFill>
@@ -9381,7 +9386,7 @@
               </a:ln>
               <a:extLst>
                 <a:ext uri="{91240B29-F687-4f45-9708-019B960494DF}">
-                  <a14:hiddenLine xmlns:a14="http://schemas.microsoft.com/office/drawing/2010/main" xmlns="" w="9525">
+                  <a14:hiddenLine xmlns="" xmlns:a14="http://schemas.microsoft.com/office/drawing/2010/main" w="9525">
                     <a:solidFill>
                       <a:srgbClr val="000000"/>
                     </a:solidFill>
@@ -9443,7 +9448,7 @@
               </a:ln>
               <a:extLst>
                 <a:ext uri="{91240B29-F687-4f45-9708-019B960494DF}">
-                  <a14:hiddenLine xmlns:a14="http://schemas.microsoft.com/office/drawing/2010/main" xmlns="" w="9525">
+                  <a14:hiddenLine xmlns="" xmlns:a14="http://schemas.microsoft.com/office/drawing/2010/main" w="9525">
                     <a:solidFill>
                       <a:srgbClr val="000000"/>
                     </a:solidFill>
@@ -9505,7 +9510,7 @@
               </a:ln>
               <a:extLst>
                 <a:ext uri="{91240B29-F687-4f45-9708-019B960494DF}">
-                  <a14:hiddenLine xmlns:a14="http://schemas.microsoft.com/office/drawing/2010/main" xmlns="" w="9525">
+                  <a14:hiddenLine xmlns="" xmlns:a14="http://schemas.microsoft.com/office/drawing/2010/main" w="9525">
                     <a:solidFill>
                       <a:srgbClr val="000000"/>
                     </a:solidFill>
@@ -9595,7 +9600,7 @@
               </a:ln>
               <a:extLst>
                 <a:ext uri="{91240B29-F687-4f45-9708-019B960494DF}">
-                  <a14:hiddenLine xmlns:a14="http://schemas.microsoft.com/office/drawing/2010/main" xmlns="" w="9525">
+                  <a14:hiddenLine xmlns="" xmlns:a14="http://schemas.microsoft.com/office/drawing/2010/main" w="9525">
                     <a:solidFill>
                       <a:srgbClr val="000000"/>
                     </a:solidFill>
@@ -9685,7 +9690,7 @@
               </a:ln>
               <a:extLst>
                 <a:ext uri="{91240B29-F687-4f45-9708-019B960494DF}">
-                  <a14:hiddenLine xmlns:a14="http://schemas.microsoft.com/office/drawing/2010/main" xmlns="" w="9525">
+                  <a14:hiddenLine xmlns="" xmlns:a14="http://schemas.microsoft.com/office/drawing/2010/main" w="9525">
                     <a:solidFill>
                       <a:srgbClr val="000000"/>
                     </a:solidFill>
@@ -9747,7 +9752,7 @@
               </a:ln>
               <a:extLst>
                 <a:ext uri="{91240B29-F687-4f45-9708-019B960494DF}">
-                  <a14:hiddenLine xmlns:a14="http://schemas.microsoft.com/office/drawing/2010/main" xmlns="" w="9525">
+                  <a14:hiddenLine xmlns="" xmlns:a14="http://schemas.microsoft.com/office/drawing/2010/main" w="9525">
                     <a:solidFill>
                       <a:srgbClr val="000000"/>
                     </a:solidFill>
@@ -9857,7 +9862,7 @@
               </a:ln>
               <a:extLst>
                 <a:ext uri="{91240B29-F687-4f45-9708-019B960494DF}">
-                  <a14:hiddenLine xmlns:a14="http://schemas.microsoft.com/office/drawing/2010/main" xmlns="" w="9525">
+                  <a14:hiddenLine xmlns="" xmlns:a14="http://schemas.microsoft.com/office/drawing/2010/main" w="9525">
                     <a:solidFill>
                       <a:srgbClr val="000000"/>
                     </a:solidFill>
@@ -9941,7 +9946,7 @@
               </a:ln>
               <a:extLst>
                 <a:ext uri="{91240B29-F687-4f45-9708-019B960494DF}">
-                  <a14:hiddenLine xmlns:a14="http://schemas.microsoft.com/office/drawing/2010/main" xmlns="" w="9525">
+                  <a14:hiddenLine xmlns="" xmlns:a14="http://schemas.microsoft.com/office/drawing/2010/main" w="9525">
                     <a:solidFill>
                       <a:srgbClr val="000000"/>
                     </a:solidFill>
@@ -10003,7 +10008,7 @@
               </a:ln>
               <a:extLst>
                 <a:ext uri="{91240B29-F687-4f45-9708-019B960494DF}">
-                  <a14:hiddenLine xmlns:a14="http://schemas.microsoft.com/office/drawing/2010/main" xmlns="" w="9525">
+                  <a14:hiddenLine xmlns="" xmlns:a14="http://schemas.microsoft.com/office/drawing/2010/main" w="9525">
                     <a:solidFill>
                       <a:srgbClr val="000000"/>
                     </a:solidFill>
@@ -10065,7 +10070,7 @@
               </a:ln>
               <a:extLst>
                 <a:ext uri="{91240B29-F687-4f45-9708-019B960494DF}">
-                  <a14:hiddenLine xmlns:a14="http://schemas.microsoft.com/office/drawing/2010/main" xmlns="" w="9525">
+                  <a14:hiddenLine xmlns="" xmlns:a14="http://schemas.microsoft.com/office/drawing/2010/main" w="9525">
                     <a:solidFill>
                       <a:srgbClr val="000000"/>
                     </a:solidFill>
@@ -10155,7 +10160,7 @@
               </a:ln>
               <a:extLst>
                 <a:ext uri="{91240B29-F687-4f45-9708-019B960494DF}">
-                  <a14:hiddenLine xmlns:a14="http://schemas.microsoft.com/office/drawing/2010/main" xmlns="" w="9525">
+                  <a14:hiddenLine xmlns="" xmlns:a14="http://schemas.microsoft.com/office/drawing/2010/main" w="9525">
                     <a:solidFill>
                       <a:srgbClr val="000000"/>
                     </a:solidFill>
@@ -10189,7 +10194,7 @@
               </a:ln>
               <a:extLst>
                 <a:ext uri="{91240B29-F687-4f45-9708-019B960494DF}">
-                  <a14:hiddenLine xmlns:a14="http://schemas.microsoft.com/office/drawing/2010/main" xmlns="" w="9525">
+                  <a14:hiddenLine xmlns="" xmlns:a14="http://schemas.microsoft.com/office/drawing/2010/main" w="9525">
                     <a:solidFill>
                       <a:srgbClr val="000000"/>
                     </a:solidFill>
@@ -10254,7 +10259,7 @@
               </a:ln>
               <a:extLst>
                 <a:ext uri="{91240B29-F687-4f45-9708-019B960494DF}">
-                  <a14:hiddenLine xmlns:a14="http://schemas.microsoft.com/office/drawing/2010/main" xmlns="" w="9525">
+                  <a14:hiddenLine xmlns="" xmlns:a14="http://schemas.microsoft.com/office/drawing/2010/main" w="9525">
                     <a:solidFill>
                       <a:srgbClr val="000000"/>
                     </a:solidFill>
@@ -10344,7 +10349,7 @@
               </a:ln>
               <a:extLst>
                 <a:ext uri="{91240B29-F687-4f45-9708-019B960494DF}">
-                  <a14:hiddenLine xmlns:a14="http://schemas.microsoft.com/office/drawing/2010/main" xmlns="" w="9525">
+                  <a14:hiddenLine xmlns="" xmlns:a14="http://schemas.microsoft.com/office/drawing/2010/main" w="9525">
                     <a:solidFill>
                       <a:srgbClr val="000000"/>
                     </a:solidFill>
@@ -10406,7 +10411,7 @@
               </a:ln>
               <a:extLst>
                 <a:ext uri="{91240B29-F687-4f45-9708-019B960494DF}">
-                  <a14:hiddenLine xmlns:a14="http://schemas.microsoft.com/office/drawing/2010/main" xmlns="" w="9525">
+                  <a14:hiddenLine xmlns="" xmlns:a14="http://schemas.microsoft.com/office/drawing/2010/main" w="9525">
                     <a:solidFill>
                       <a:srgbClr val="000000"/>
                     </a:solidFill>
@@ -10496,7 +10501,7 @@
               </a:ln>
               <a:extLst>
                 <a:ext uri="{91240B29-F687-4f45-9708-019B960494DF}">
-                  <a14:hiddenLine xmlns:a14="http://schemas.microsoft.com/office/drawing/2010/main" xmlns="" w="9525">
+                  <a14:hiddenLine xmlns="" xmlns:a14="http://schemas.microsoft.com/office/drawing/2010/main" w="9525">
                     <a:solidFill>
                       <a:srgbClr val="000000"/>
                     </a:solidFill>
@@ -10561,7 +10566,7 @@
               </a:ln>
               <a:extLst>
                 <a:ext uri="{91240B29-F687-4f45-9708-019B960494DF}">
-                  <a14:hiddenLine xmlns:a14="http://schemas.microsoft.com/office/drawing/2010/main" xmlns="" w="9525">
+                  <a14:hiddenLine xmlns="" xmlns:a14="http://schemas.microsoft.com/office/drawing/2010/main" w="9525">
                     <a:solidFill>
                       <a:srgbClr val="000000"/>
                     </a:solidFill>
@@ -10623,7 +10628,7 @@
               </a:ln>
               <a:extLst>
                 <a:ext uri="{91240B29-F687-4f45-9708-019B960494DF}">
-                  <a14:hiddenLine xmlns:a14="http://schemas.microsoft.com/office/drawing/2010/main" xmlns="" w="9525">
+                  <a14:hiddenLine xmlns="" xmlns:a14="http://schemas.microsoft.com/office/drawing/2010/main" w="9525">
                     <a:solidFill>
                       <a:srgbClr val="000000"/>
                     </a:solidFill>
@@ -10713,7 +10718,7 @@
               </a:ln>
               <a:extLst>
                 <a:ext uri="{91240B29-F687-4f45-9708-019B960494DF}">
-                  <a14:hiddenLine xmlns:a14="http://schemas.microsoft.com/office/drawing/2010/main" xmlns="" w="9525">
+                  <a14:hiddenLine xmlns="" xmlns:a14="http://schemas.microsoft.com/office/drawing/2010/main" w="9525">
                     <a:solidFill>
                       <a:srgbClr val="000000"/>
                     </a:solidFill>
@@ -10803,7 +10808,7 @@
               </a:ln>
               <a:extLst>
                 <a:ext uri="{91240B29-F687-4f45-9708-019B960494DF}">
-                  <a14:hiddenLine xmlns:a14="http://schemas.microsoft.com/office/drawing/2010/main" xmlns="" w="9525">
+                  <a14:hiddenLine xmlns="" xmlns:a14="http://schemas.microsoft.com/office/drawing/2010/main" w="9525">
                     <a:solidFill>
                       <a:srgbClr val="000000"/>
                     </a:solidFill>
@@ -10868,7 +10873,7 @@
               </a:ln>
               <a:extLst>
                 <a:ext uri="{91240B29-F687-4f45-9708-019B960494DF}">
-                  <a14:hiddenLine xmlns:a14="http://schemas.microsoft.com/office/drawing/2010/main" xmlns="" w="9525">
+                  <a14:hiddenLine xmlns="" xmlns:a14="http://schemas.microsoft.com/office/drawing/2010/main" w="9525">
                     <a:solidFill>
                       <a:srgbClr val="000000"/>
                     </a:solidFill>
@@ -10988,7 +10993,7 @@
               </a:ln>
               <a:extLst>
                 <a:ext uri="{91240B29-F687-4f45-9708-019B960494DF}">
-                  <a14:hiddenLine xmlns:a14="http://schemas.microsoft.com/office/drawing/2010/main" xmlns="" w="9525">
+                  <a14:hiddenLine xmlns="" xmlns:a14="http://schemas.microsoft.com/office/drawing/2010/main" w="9525">
                     <a:solidFill>
                       <a:srgbClr val="000000"/>
                     </a:solidFill>
@@ -11086,7 +11091,7 @@
               </a:ln>
               <a:extLst>
                 <a:ext uri="{91240B29-F687-4f45-9708-019B960494DF}">
-                  <a14:hiddenLine xmlns:a14="http://schemas.microsoft.com/office/drawing/2010/main" xmlns="" w="9525">
+                  <a14:hiddenLine xmlns="" xmlns:a14="http://schemas.microsoft.com/office/drawing/2010/main" w="9525">
                     <a:solidFill>
                       <a:srgbClr val="000000"/>
                     </a:solidFill>
@@ -11201,7 +11206,7 @@
               </a:ln>
               <a:extLst>
                 <a:ext uri="{91240B29-F687-4f45-9708-019B960494DF}">
-                  <a14:hiddenLine xmlns:a14="http://schemas.microsoft.com/office/drawing/2010/main" xmlns="" w="9525">
+                  <a14:hiddenLine xmlns="" xmlns:a14="http://schemas.microsoft.com/office/drawing/2010/main" w="9525">
                     <a:solidFill>
                       <a:srgbClr val="000000"/>
                     </a:solidFill>
@@ -11291,7 +11296,7 @@
               </a:ln>
               <a:extLst>
                 <a:ext uri="{91240B29-F687-4f45-9708-019B960494DF}">
-                  <a14:hiddenLine xmlns:a14="http://schemas.microsoft.com/office/drawing/2010/main" xmlns="" w="9525">
+                  <a14:hiddenLine xmlns="" xmlns:a14="http://schemas.microsoft.com/office/drawing/2010/main" w="9525">
                     <a:solidFill>
                       <a:srgbClr val="000000"/>
                     </a:solidFill>
@@ -11356,7 +11361,7 @@
               </a:ln>
               <a:extLst>
                 <a:ext uri="{91240B29-F687-4f45-9708-019B960494DF}">
-                  <a14:hiddenLine xmlns:a14="http://schemas.microsoft.com/office/drawing/2010/main" xmlns="" w="9525">
+                  <a14:hiddenLine xmlns="" xmlns:a14="http://schemas.microsoft.com/office/drawing/2010/main" w="9525">
                     <a:solidFill>
                       <a:srgbClr val="000000"/>
                     </a:solidFill>
@@ -11446,7 +11451,7 @@
               </a:ln>
               <a:extLst>
                 <a:ext uri="{91240B29-F687-4f45-9708-019B960494DF}">
-                  <a14:hiddenLine xmlns:a14="http://schemas.microsoft.com/office/drawing/2010/main" xmlns="" w="9525">
+                  <a14:hiddenLine xmlns="" xmlns:a14="http://schemas.microsoft.com/office/drawing/2010/main" w="9525">
                     <a:solidFill>
                       <a:srgbClr val="000000"/>
                     </a:solidFill>
@@ -11514,7 +11519,7 @@
               </a:ln>
               <a:extLst>
                 <a:ext uri="{91240B29-F687-4f45-9708-019B960494DF}">
-                  <a14:hiddenLine xmlns:a14="http://schemas.microsoft.com/office/drawing/2010/main" xmlns="" w="9525">
+                  <a14:hiddenLine xmlns="" xmlns:a14="http://schemas.microsoft.com/office/drawing/2010/main" w="9525">
                     <a:solidFill>
                       <a:srgbClr val="000000"/>
                     </a:solidFill>
@@ -11604,7 +11609,7 @@
               </a:ln>
               <a:extLst>
                 <a:ext uri="{91240B29-F687-4f45-9708-019B960494DF}">
-                  <a14:hiddenLine xmlns:a14="http://schemas.microsoft.com/office/drawing/2010/main" xmlns="" w="9525">
+                  <a14:hiddenLine xmlns="" xmlns:a14="http://schemas.microsoft.com/office/drawing/2010/main" w="9525">
                     <a:solidFill>
                       <a:srgbClr val="000000"/>
                     </a:solidFill>
@@ -11672,7 +11677,7 @@
               </a:ln>
               <a:extLst>
                 <a:ext uri="{91240B29-F687-4f45-9708-019B960494DF}">
-                  <a14:hiddenLine xmlns:a14="http://schemas.microsoft.com/office/drawing/2010/main" xmlns="" w="9525">
+                  <a14:hiddenLine xmlns="" xmlns:a14="http://schemas.microsoft.com/office/drawing/2010/main" w="9525">
                     <a:solidFill>
                       <a:srgbClr val="000000"/>
                     </a:solidFill>
@@ -11762,7 +11767,7 @@
               </a:ln>
               <a:extLst>
                 <a:ext uri="{91240B29-F687-4f45-9708-019B960494DF}">
-                  <a14:hiddenLine xmlns:a14="http://schemas.microsoft.com/office/drawing/2010/main" xmlns="" w="9525">
+                  <a14:hiddenLine xmlns="" xmlns:a14="http://schemas.microsoft.com/office/drawing/2010/main" w="9525">
                     <a:solidFill>
                       <a:srgbClr val="000000"/>
                     </a:solidFill>
@@ -11796,7 +11801,7 @@
               </a:ln>
               <a:extLst>
                 <a:ext uri="{91240B29-F687-4f45-9708-019B960494DF}">
-                  <a14:hiddenLine xmlns:a14="http://schemas.microsoft.com/office/drawing/2010/main" xmlns="" w="9525">
+                  <a14:hiddenLine xmlns="" xmlns:a14="http://schemas.microsoft.com/office/drawing/2010/main" w="9525">
                     <a:solidFill>
                       <a:srgbClr val="000000"/>
                     </a:solidFill>
@@ -11937,7 +11942,7 @@
             <a:fld id="{48A87A34-81AB-432B-8DAE-1953F412C126}" type="datetimeFigureOut">
               <a:rPr lang="en-US" dirty="0"/>
               <a:pPr/>
-              <a:t>6/27/2025</a:t>
+              <a:t>6/28/2025</a:t>
             </a:fld>
             <a:endParaRPr lang="en-US" dirty="0"/>
           </a:p>
@@ -12426,6 +12431,114 @@
           </a:p>
         </p:txBody>
       </p:sp>
+      <p:sp>
+        <p:nvSpPr>
+          <p:cNvPr id="4" name="TextBox 3">
+            <a:extLst>
+              <a:ext uri="{FF2B5EF4-FFF2-40B4-BE49-F238E27FC236}">
+                <a16:creationId xmlns:a16="http://schemas.microsoft.com/office/drawing/2014/main" id="{B5F3EF9C-8874-577B-3B36-F9D922FC2DBA}"/>
+              </a:ext>
+            </a:extLst>
+          </p:cNvPr>
+          <p:cNvSpPr txBox="1"/>
+          <p:nvPr/>
+        </p:nvSpPr>
+        <p:spPr>
+          <a:xfrm>
+            <a:off x="7690533" y="4370830"/>
+            <a:ext cx="4398264" cy="1754326"/>
+          </a:xfrm>
+          <a:prstGeom prst="rect">
+            <a:avLst/>
+          </a:prstGeom>
+          <a:gradFill>
+            <a:gsLst>
+              <a:gs pos="0">
+                <a:srgbClr val="56C6DB">
+                  <a:alpha val="0"/>
+                </a:srgbClr>
+              </a:gs>
+              <a:gs pos="98000">
+                <a:srgbClr val="011B45"/>
+              </a:gs>
+              <a:gs pos="58000">
+                <a:srgbClr val="55B8CE"/>
+              </a:gs>
+            </a:gsLst>
+            <a:lin ang="4800000" scaled="0"/>
+          </a:gradFill>
+          <a:effectLst>
+            <a:glow>
+              <a:schemeClr val="accent5">
+                <a:satMod val="175000"/>
+              </a:schemeClr>
+            </a:glow>
+            <a:softEdge rad="0"/>
+          </a:effectLst>
+        </p:spPr>
+        <p:txBody>
+          <a:bodyPr wrap="square" rtlCol="0">
+            <a:spAutoFit/>
+          </a:bodyPr>
+          <a:lstStyle/>
+          <a:p>
+            <a:pPr algn="ctr" fontAlgn="base"/>
+            <a:r>
+              <a:rPr lang="en-IN" sz="2800" b="1" dirty="0"/>
+              <a:t>Team Members</a:t>
+            </a:r>
+          </a:p>
+          <a:p>
+            <a:pPr marL="342900" indent="-342900" fontAlgn="base">
+              <a:buFont typeface="Arial" panose="020B0604020202020204" pitchFamily="34" charset="0"/>
+              <a:buChar char="•"/>
+            </a:pPr>
+            <a:r>
+              <a:rPr lang="en-IN" sz="2000" i="1" dirty="0"/>
+              <a:t>Adapa Madhurima</a:t>
+            </a:r>
+          </a:p>
+          <a:p>
+            <a:pPr marL="342900" lvl="0" indent="-342900" fontAlgn="base">
+              <a:buFont typeface="Arial" panose="020B0604020202020204" pitchFamily="34" charset="0"/>
+              <a:buChar char="•"/>
+            </a:pPr>
+            <a:r>
+              <a:rPr lang="en-IN" sz="2000" i="1" dirty="0"/>
+              <a:t>Chopparapu </a:t>
+            </a:r>
+            <a:r>
+              <a:rPr lang="en-IN" sz="2000" i="1" dirty="0" err="1"/>
+              <a:t>Showriraju</a:t>
+            </a:r>
+            <a:endParaRPr lang="en-IN" sz="2000" i="1" dirty="0"/>
+          </a:p>
+          <a:p>
+            <a:pPr marL="342900" lvl="0" indent="-342900" fontAlgn="base">
+              <a:buFont typeface="Arial" panose="020B0604020202020204" pitchFamily="34" charset="0"/>
+              <a:buChar char="•"/>
+            </a:pPr>
+            <a:r>
+              <a:rPr lang="en-IN" sz="2000" i="1" dirty="0" err="1"/>
+              <a:t>Bantrothu</a:t>
+            </a:r>
+            <a:r>
+              <a:rPr lang="en-IN" sz="2000" i="1" dirty="0"/>
+              <a:t> Seshadri Naidu</a:t>
+            </a:r>
+          </a:p>
+          <a:p>
+            <a:pPr marL="342900" indent="-342900">
+              <a:buFont typeface="Arial" panose="020B0604020202020204" pitchFamily="34" charset="0"/>
+              <a:buChar char="•"/>
+            </a:pPr>
+            <a:r>
+              <a:rPr lang="en-IN" sz="2000" i="1" dirty="0"/>
+              <a:t>A Sai Santhosh</a:t>
+            </a:r>
+          </a:p>
+        </p:txBody>
+      </p:sp>
     </p:spTree>
     <p:extLst>
       <p:ext uri="{BB962C8B-B14F-4D97-AF65-F5344CB8AC3E}">
@@ -12518,16 +12631,6 @@
           <a:lstStyle/>
           <a:p>
             <a:r>
-              <a:rPr lang="en-US" b="0" i="0" dirty="0" err="1">
-                <a:solidFill>
-                  <a:srgbClr val="001D35"/>
-                </a:solidFill>
-                <a:effectLst/>
-                <a:latin typeface="Google Sans"/>
-              </a:rPr>
-              <a:t>ollen</a:t>
-            </a:r>
-            <a:r>
               <a:rPr lang="en-US" b="0" i="0" dirty="0">
                 <a:solidFill>
                   <a:srgbClr val="001D35"/>
@@ -12535,7 +12638,7 @@
                 <a:effectLst/>
                 <a:latin typeface="Google Sans"/>
               </a:rPr>
-              <a:t> grains, despite their microscopic size, offer a wealth of information in various fields, from forensic science to ecology and even agriculture. Case studies demonstrate their utility in identifying locations, linking suspects to crime scenes, and understanding past climates. Forensic palynology, in particular, utilizes pollen's unique characteristics to analyze trace evidence and aid in criminal investigations. </a:t>
+              <a:t>pollen grains, despite their microscopic size, offer a wealth of information in various fields, from forensic science to ecology and even agriculture. Case studies demonstrate their utility in identifying locations, linking suspects to crime scenes, and understanding past climates. Forensic palynology, in particular, utilizes pollen's unique characteristics to analyze trace evidence and aid in criminal investigations. </a:t>
             </a:r>
             <a:endParaRPr lang="en-IN" dirty="0"/>
           </a:p>
